--- a/presentations/02_Data_Preprocessing.pptx
+++ b/presentations/02_Data_Preprocessing.pptx
@@ -279,6 +279,30 @@
             <ac:picMk id="12" creationId="{A6DEA02B-CA55-4272-AC9D-780225DAA5A5}"/>
           </ac:picMkLst>
         </pc:picChg>
+      </pc:sldChg>
+    </pc:docChg>
+  </pc:docChgLst>
+  <pc:docChgLst>
+    <pc:chgData name="Erkan ŞİRİN" userId="7f10ce1d6aaf8c5d" providerId="LiveId" clId="{B06A18ED-BA71-4044-BA81-695A2B505183}"/>
+    <pc:docChg chg="modSld">
+      <pc:chgData name="Erkan ŞİRİN" userId="7f10ce1d6aaf8c5d" providerId="LiveId" clId="{B06A18ED-BA71-4044-BA81-695A2B505183}" dt="2019-05-21T12:53:13.304" v="1" actId="20577"/>
+      <pc:docMkLst>
+        <pc:docMk/>
+      </pc:docMkLst>
+      <pc:sldChg chg="modSp">
+        <pc:chgData name="Erkan ŞİRİN" userId="7f10ce1d6aaf8c5d" providerId="LiveId" clId="{B06A18ED-BA71-4044-BA81-695A2B505183}" dt="2019-05-21T12:53:13.304" v="1" actId="20577"/>
+        <pc:sldMkLst>
+          <pc:docMk/>
+          <pc:sldMk cId="2700576662" sldId="266"/>
+        </pc:sldMkLst>
+        <pc:spChg chg="mod">
+          <ac:chgData name="Erkan ŞİRİN" userId="7f10ce1d6aaf8c5d" providerId="LiveId" clId="{B06A18ED-BA71-4044-BA81-695A2B505183}" dt="2019-05-21T12:53:13.304" v="1" actId="20577"/>
+          <ac:spMkLst>
+            <pc:docMk/>
+            <pc:sldMk cId="2700576662" sldId="266"/>
+            <ac:spMk id="13" creationId="{00000000-0000-0000-0000-000000000000}"/>
+          </ac:spMkLst>
+        </pc:spChg>
       </pc:sldChg>
     </pc:docChg>
   </pc:docChgLst>
@@ -813,7 +837,7 @@
           <a:p>
             <a:fld id="{6F77F576-AE14-466D-AA6B-335273622B21}" type="datetimeFigureOut">
               <a:rPr lang="en-US" smtClean="0"/>
-              <a:t>5/14/2019</a:t>
+              <a:t>5/21/2019</a:t>
             </a:fld>
             <a:endParaRPr lang="en-US"/>
           </a:p>
@@ -1212,7 +1236,7 @@
           <a:p>
             <a:fld id="{54AA066D-271F-4C1A-B89A-0705A7689EE9}" type="datetimeFigureOut">
               <a:rPr lang="en-US" smtClean="0"/>
-              <a:t>5/14/2019</a:t>
+              <a:t>5/21/2019</a:t>
             </a:fld>
             <a:endParaRPr lang="en-US"/>
           </a:p>
@@ -1382,7 +1406,7 @@
           <a:p>
             <a:fld id="{54AA066D-271F-4C1A-B89A-0705A7689EE9}" type="datetimeFigureOut">
               <a:rPr lang="en-US" smtClean="0"/>
-              <a:t>5/14/2019</a:t>
+              <a:t>5/21/2019</a:t>
             </a:fld>
             <a:endParaRPr lang="en-US"/>
           </a:p>
@@ -1562,7 +1586,7 @@
           <a:p>
             <a:fld id="{54AA066D-271F-4C1A-B89A-0705A7689EE9}" type="datetimeFigureOut">
               <a:rPr lang="en-US" smtClean="0"/>
-              <a:t>5/14/2019</a:t>
+              <a:t>5/21/2019</a:t>
             </a:fld>
             <a:endParaRPr lang="en-US"/>
           </a:p>
@@ -1732,7 +1756,7 @@
           <a:p>
             <a:fld id="{54AA066D-271F-4C1A-B89A-0705A7689EE9}" type="datetimeFigureOut">
               <a:rPr lang="en-US" smtClean="0"/>
-              <a:t>5/14/2019</a:t>
+              <a:t>5/21/2019</a:t>
             </a:fld>
             <a:endParaRPr lang="en-US"/>
           </a:p>
@@ -1978,7 +2002,7 @@
           <a:p>
             <a:fld id="{54AA066D-271F-4C1A-B89A-0705A7689EE9}" type="datetimeFigureOut">
               <a:rPr lang="en-US" smtClean="0"/>
-              <a:t>5/14/2019</a:t>
+              <a:t>5/21/2019</a:t>
             </a:fld>
             <a:endParaRPr lang="en-US"/>
           </a:p>
@@ -2210,7 +2234,7 @@
           <a:p>
             <a:fld id="{54AA066D-271F-4C1A-B89A-0705A7689EE9}" type="datetimeFigureOut">
               <a:rPr lang="en-US" smtClean="0"/>
-              <a:t>5/14/2019</a:t>
+              <a:t>5/21/2019</a:t>
             </a:fld>
             <a:endParaRPr lang="en-US"/>
           </a:p>
@@ -2577,7 +2601,7 @@
           <a:p>
             <a:fld id="{54AA066D-271F-4C1A-B89A-0705A7689EE9}" type="datetimeFigureOut">
               <a:rPr lang="en-US" smtClean="0"/>
-              <a:t>5/14/2019</a:t>
+              <a:t>5/21/2019</a:t>
             </a:fld>
             <a:endParaRPr lang="en-US"/>
           </a:p>
@@ -2695,7 +2719,7 @@
           <a:p>
             <a:fld id="{54AA066D-271F-4C1A-B89A-0705A7689EE9}" type="datetimeFigureOut">
               <a:rPr lang="en-US" smtClean="0"/>
-              <a:t>5/14/2019</a:t>
+              <a:t>5/21/2019</a:t>
             </a:fld>
             <a:endParaRPr lang="en-US"/>
           </a:p>
@@ -2790,7 +2814,7 @@
           <a:p>
             <a:fld id="{54AA066D-271F-4C1A-B89A-0705A7689EE9}" type="datetimeFigureOut">
               <a:rPr lang="en-US" smtClean="0"/>
-              <a:t>5/14/2019</a:t>
+              <a:t>5/21/2019</a:t>
             </a:fld>
             <a:endParaRPr lang="en-US"/>
           </a:p>
@@ -3067,7 +3091,7 @@
           <a:p>
             <a:fld id="{54AA066D-271F-4C1A-B89A-0705A7689EE9}" type="datetimeFigureOut">
               <a:rPr lang="en-US" smtClean="0"/>
-              <a:t>5/14/2019</a:t>
+              <a:t>5/21/2019</a:t>
             </a:fld>
             <a:endParaRPr lang="en-US"/>
           </a:p>
@@ -3320,7 +3344,7 @@
           <a:p>
             <a:fld id="{54AA066D-271F-4C1A-B89A-0705A7689EE9}" type="datetimeFigureOut">
               <a:rPr lang="en-US" smtClean="0"/>
-              <a:t>5/14/2019</a:t>
+              <a:t>5/21/2019</a:t>
             </a:fld>
             <a:endParaRPr lang="en-US"/>
           </a:p>
@@ -3533,7 +3557,7 @@
           <a:p>
             <a:fld id="{54AA066D-271F-4C1A-B89A-0705A7689EE9}" type="datetimeFigureOut">
               <a:rPr lang="en-US" smtClean="0"/>
-              <a:t>5/14/2019</a:t>
+              <a:t>5/21/2019</a:t>
             </a:fld>
             <a:endParaRPr lang="en-US"/>
           </a:p>
@@ -13296,10 +13320,16 @@
           <a:lstStyle/>
           <a:p>
             <a:r>
+              <a:rPr lang="tr-TR">
+                <a:latin typeface="Bahnschrift SemiLight" panose="020B0502040204020203" pitchFamily="34" charset="0"/>
+              </a:rPr>
+              <a:t>Kaliteli bilgi </a:t>
+            </a:r>
+            <a:r>
               <a:rPr lang="tr-TR" dirty="0">
                 <a:latin typeface="Bahnschrift SemiLight" panose="020B0502040204020203" pitchFamily="34" charset="0"/>
               </a:rPr>
-              <a:t>Kaliteli bilgili kaliteli veri ile elde edilir.</a:t>
+              <a:t>kaliteli veri ile elde edilir.</a:t>
             </a:r>
           </a:p>
         </p:txBody>

--- a/presentations/02_Data_Preprocessing.pptx
+++ b/presentations/02_Data_Preprocessing.pptx
@@ -285,7 +285,7 @@
   <pc:docChgLst>
     <pc:chgData name="Erkan ŞİRİN" userId="7f10ce1d6aaf8c5d" providerId="LiveId" clId="{B06A18ED-BA71-4044-BA81-695A2B505183}"/>
     <pc:docChg chg="modSld">
-      <pc:chgData name="Erkan ŞİRİN" userId="7f10ce1d6aaf8c5d" providerId="LiveId" clId="{B06A18ED-BA71-4044-BA81-695A2B505183}" dt="2019-05-21T12:53:13.304" v="1" actId="20577"/>
+      <pc:chgData name="Erkan ŞİRİN" userId="7f10ce1d6aaf8c5d" providerId="LiveId" clId="{B06A18ED-BA71-4044-BA81-695A2B505183}" dt="2019-05-30T07:51:18.793" v="148" actId="1076"/>
       <pc:docMkLst>
         <pc:docMk/>
       </pc:docMkLst>
@@ -301,6 +301,29 @@
             <pc:docMk/>
             <pc:sldMk cId="2700576662" sldId="266"/>
             <ac:spMk id="13" creationId="{00000000-0000-0000-0000-000000000000}"/>
+          </ac:spMkLst>
+        </pc:spChg>
+      </pc:sldChg>
+      <pc:sldChg chg="addSp modSp modAnim">
+        <pc:chgData name="Erkan ŞİRİN" userId="7f10ce1d6aaf8c5d" providerId="LiveId" clId="{B06A18ED-BA71-4044-BA81-695A2B505183}" dt="2019-05-30T07:51:18.793" v="148" actId="1076"/>
+        <pc:sldMkLst>
+          <pc:docMk/>
+          <pc:sldMk cId="3106916951" sldId="271"/>
+        </pc:sldMkLst>
+        <pc:spChg chg="add mod">
+          <ac:chgData name="Erkan ŞİRİN" userId="7f10ce1d6aaf8c5d" providerId="LiveId" clId="{B06A18ED-BA71-4044-BA81-695A2B505183}" dt="2019-05-30T07:51:18.793" v="148" actId="1076"/>
+          <ac:spMkLst>
+            <pc:docMk/>
+            <pc:sldMk cId="3106916951" sldId="271"/>
+            <ac:spMk id="14" creationId="{4D39E7DC-2D9F-4C6D-A76A-0C0C8810ACD6}"/>
+          </ac:spMkLst>
+        </pc:spChg>
+        <pc:spChg chg="add mod">
+          <ac:chgData name="Erkan ŞİRİN" userId="7f10ce1d6aaf8c5d" providerId="LiveId" clId="{B06A18ED-BA71-4044-BA81-695A2B505183}" dt="2019-05-30T07:51:15.713" v="147" actId="1076"/>
+          <ac:spMkLst>
+            <pc:docMk/>
+            <pc:sldMk cId="3106916951" sldId="271"/>
+            <ac:spMk id="15" creationId="{EDAEAD82-4F15-4172-A184-EBAC23878FD2}"/>
           </ac:spMkLst>
         </pc:spChg>
       </pc:sldChg>
@@ -837,7 +860,7 @@
           <a:p>
             <a:fld id="{6F77F576-AE14-466D-AA6B-335273622B21}" type="datetimeFigureOut">
               <a:rPr lang="en-US" smtClean="0"/>
-              <a:t>5/21/2019</a:t>
+              <a:t>5/30/2019</a:t>
             </a:fld>
             <a:endParaRPr lang="en-US"/>
           </a:p>
@@ -1236,7 +1259,7 @@
           <a:p>
             <a:fld id="{54AA066D-271F-4C1A-B89A-0705A7689EE9}" type="datetimeFigureOut">
               <a:rPr lang="en-US" smtClean="0"/>
-              <a:t>5/21/2019</a:t>
+              <a:t>5/30/2019</a:t>
             </a:fld>
             <a:endParaRPr lang="en-US"/>
           </a:p>
@@ -1406,7 +1429,7 @@
           <a:p>
             <a:fld id="{54AA066D-271F-4C1A-B89A-0705A7689EE9}" type="datetimeFigureOut">
               <a:rPr lang="en-US" smtClean="0"/>
-              <a:t>5/21/2019</a:t>
+              <a:t>5/30/2019</a:t>
             </a:fld>
             <a:endParaRPr lang="en-US"/>
           </a:p>
@@ -1586,7 +1609,7 @@
           <a:p>
             <a:fld id="{54AA066D-271F-4C1A-B89A-0705A7689EE9}" type="datetimeFigureOut">
               <a:rPr lang="en-US" smtClean="0"/>
-              <a:t>5/21/2019</a:t>
+              <a:t>5/30/2019</a:t>
             </a:fld>
             <a:endParaRPr lang="en-US"/>
           </a:p>
@@ -1756,7 +1779,7 @@
           <a:p>
             <a:fld id="{54AA066D-271F-4C1A-B89A-0705A7689EE9}" type="datetimeFigureOut">
               <a:rPr lang="en-US" smtClean="0"/>
-              <a:t>5/21/2019</a:t>
+              <a:t>5/30/2019</a:t>
             </a:fld>
             <a:endParaRPr lang="en-US"/>
           </a:p>
@@ -2002,7 +2025,7 @@
           <a:p>
             <a:fld id="{54AA066D-271F-4C1A-B89A-0705A7689EE9}" type="datetimeFigureOut">
               <a:rPr lang="en-US" smtClean="0"/>
-              <a:t>5/21/2019</a:t>
+              <a:t>5/30/2019</a:t>
             </a:fld>
             <a:endParaRPr lang="en-US"/>
           </a:p>
@@ -2234,7 +2257,7 @@
           <a:p>
             <a:fld id="{54AA066D-271F-4C1A-B89A-0705A7689EE9}" type="datetimeFigureOut">
               <a:rPr lang="en-US" smtClean="0"/>
-              <a:t>5/21/2019</a:t>
+              <a:t>5/30/2019</a:t>
             </a:fld>
             <a:endParaRPr lang="en-US"/>
           </a:p>
@@ -2601,7 +2624,7 @@
           <a:p>
             <a:fld id="{54AA066D-271F-4C1A-B89A-0705A7689EE9}" type="datetimeFigureOut">
               <a:rPr lang="en-US" smtClean="0"/>
-              <a:t>5/21/2019</a:t>
+              <a:t>5/30/2019</a:t>
             </a:fld>
             <a:endParaRPr lang="en-US"/>
           </a:p>
@@ -2719,7 +2742,7 @@
           <a:p>
             <a:fld id="{54AA066D-271F-4C1A-B89A-0705A7689EE9}" type="datetimeFigureOut">
               <a:rPr lang="en-US" smtClean="0"/>
-              <a:t>5/21/2019</a:t>
+              <a:t>5/30/2019</a:t>
             </a:fld>
             <a:endParaRPr lang="en-US"/>
           </a:p>
@@ -2814,7 +2837,7 @@
           <a:p>
             <a:fld id="{54AA066D-271F-4C1A-B89A-0705A7689EE9}" type="datetimeFigureOut">
               <a:rPr lang="en-US" smtClean="0"/>
-              <a:t>5/21/2019</a:t>
+              <a:t>5/30/2019</a:t>
             </a:fld>
             <a:endParaRPr lang="en-US"/>
           </a:p>
@@ -3091,7 +3114,7 @@
           <a:p>
             <a:fld id="{54AA066D-271F-4C1A-B89A-0705A7689EE9}" type="datetimeFigureOut">
               <a:rPr lang="en-US" smtClean="0"/>
-              <a:t>5/21/2019</a:t>
+              <a:t>5/30/2019</a:t>
             </a:fld>
             <a:endParaRPr lang="en-US"/>
           </a:p>
@@ -3344,7 +3367,7 @@
           <a:p>
             <a:fld id="{54AA066D-271F-4C1A-B89A-0705A7689EE9}" type="datetimeFigureOut">
               <a:rPr lang="en-US" smtClean="0"/>
-              <a:t>5/21/2019</a:t>
+              <a:t>5/30/2019</a:t>
             </a:fld>
             <a:endParaRPr lang="en-US"/>
           </a:p>
@@ -3557,7 +3580,7 @@
           <a:p>
             <a:fld id="{54AA066D-271F-4C1A-B89A-0705A7689EE9}" type="datetimeFigureOut">
               <a:rPr lang="en-US" smtClean="0"/>
-              <a:t>5/21/2019</a:t>
+              <a:t>5/30/2019</a:t>
             </a:fld>
             <a:endParaRPr lang="en-US"/>
           </a:p>
@@ -22844,6 +22867,162 @@
           </a:prstGeom>
         </p:spPr>
       </p:pic>
+      <p:sp>
+        <p:nvSpPr>
+          <p:cNvPr id="14" name="Dikdörtgen 13">
+            <a:extLst>
+              <a:ext uri="{FF2B5EF4-FFF2-40B4-BE49-F238E27FC236}">
+                <a16:creationId xmlns:a16="http://schemas.microsoft.com/office/drawing/2014/main" id="{4D39E7DC-2D9F-4C6D-A76A-0C0C8810ACD6}"/>
+              </a:ext>
+            </a:extLst>
+          </p:cNvPr>
+          <p:cNvSpPr/>
+          <p:nvPr/>
+        </p:nvSpPr>
+        <p:spPr>
+          <a:xfrm>
+            <a:off x="914412" y="4551130"/>
+            <a:ext cx="4720858" cy="1420325"/>
+          </a:xfrm>
+          <a:prstGeom prst="rect">
+            <a:avLst/>
+          </a:prstGeom>
+        </p:spPr>
+        <p:txBody>
+          <a:bodyPr wrap="square">
+            <a:spAutoFit/>
+          </a:bodyPr>
+          <a:lstStyle/>
+          <a:p>
+            <a:pPr>
+              <a:lnSpc>
+                <a:spcPct val="150000"/>
+              </a:lnSpc>
+            </a:pPr>
+            <a:r>
+              <a:rPr lang="tr-TR" sz="2000" b="1" dirty="0">
+                <a:solidFill>
+                  <a:schemeClr val="bg2">
+                    <a:lumMod val="25000"/>
+                  </a:schemeClr>
+                </a:solidFill>
+                <a:latin typeface="Roboto"/>
+                <a:ea typeface="Verdana" panose="020B0604030504040204" pitchFamily="34" charset="0"/>
+                <a:cs typeface="Arial" panose="020B0604020202020204" pitchFamily="34" charset="0"/>
+              </a:rPr>
+              <a:t>Daha yaygın</a:t>
+            </a:r>
+          </a:p>
+          <a:p>
+            <a:pPr>
+              <a:lnSpc>
+                <a:spcPct val="150000"/>
+              </a:lnSpc>
+            </a:pPr>
+            <a:r>
+              <a:rPr lang="tr-TR" sz="2000" b="1" dirty="0">
+                <a:solidFill>
+                  <a:schemeClr val="bg2">
+                    <a:lumMod val="25000"/>
+                  </a:schemeClr>
+                </a:solidFill>
+                <a:latin typeface="Roboto"/>
+                <a:ea typeface="Verdana" panose="020B0604030504040204" pitchFamily="34" charset="0"/>
+                <a:cs typeface="Arial" panose="020B0604020202020204" pitchFamily="34" charset="0"/>
+              </a:rPr>
+              <a:t>Normal dağılımda öncelikli</a:t>
+            </a:r>
+          </a:p>
+          <a:p>
+            <a:pPr>
+              <a:lnSpc>
+                <a:spcPct val="150000"/>
+              </a:lnSpc>
+            </a:pPr>
+            <a:r>
+              <a:rPr lang="tr-TR" sz="2000" b="1" dirty="0">
+                <a:solidFill>
+                  <a:schemeClr val="bg2">
+                    <a:lumMod val="25000"/>
+                  </a:schemeClr>
+                </a:solidFill>
+                <a:latin typeface="Roboto"/>
+                <a:ea typeface="Verdana" panose="020B0604030504040204" pitchFamily="34" charset="0"/>
+                <a:cs typeface="Arial" panose="020B0604020202020204" pitchFamily="34" charset="0"/>
+              </a:rPr>
+              <a:t>Sıfır ortalama ve 1 standart sapma</a:t>
+            </a:r>
+          </a:p>
+        </p:txBody>
+      </p:sp>
+      <p:sp>
+        <p:nvSpPr>
+          <p:cNvPr id="15" name="Dikdörtgen 14">
+            <a:extLst>
+              <a:ext uri="{FF2B5EF4-FFF2-40B4-BE49-F238E27FC236}">
+                <a16:creationId xmlns:a16="http://schemas.microsoft.com/office/drawing/2014/main" id="{EDAEAD82-4F15-4172-A184-EBAC23878FD2}"/>
+              </a:ext>
+            </a:extLst>
+          </p:cNvPr>
+          <p:cNvSpPr/>
+          <p:nvPr/>
+        </p:nvSpPr>
+        <p:spPr>
+          <a:xfrm>
+            <a:off x="6537074" y="4826428"/>
+            <a:ext cx="4720858" cy="958660"/>
+          </a:xfrm>
+          <a:prstGeom prst="rect">
+            <a:avLst/>
+          </a:prstGeom>
+        </p:spPr>
+        <p:txBody>
+          <a:bodyPr wrap="square">
+            <a:spAutoFit/>
+          </a:bodyPr>
+          <a:lstStyle/>
+          <a:p>
+            <a:pPr>
+              <a:lnSpc>
+                <a:spcPct val="150000"/>
+              </a:lnSpc>
+            </a:pPr>
+            <a:r>
+              <a:rPr lang="tr-TR" sz="2000" b="1" dirty="0">
+                <a:solidFill>
+                  <a:schemeClr val="bg2">
+                    <a:lumMod val="25000"/>
+                  </a:schemeClr>
+                </a:solidFill>
+                <a:latin typeface="Roboto"/>
+                <a:ea typeface="Verdana" panose="020B0604030504040204" pitchFamily="34" charset="0"/>
+                <a:cs typeface="Arial" panose="020B0604020202020204" pitchFamily="34" charset="0"/>
+              </a:rPr>
+              <a:t>0-1 arasına yığar</a:t>
+            </a:r>
+          </a:p>
+          <a:p>
+            <a:pPr>
+              <a:lnSpc>
+                <a:spcPct val="150000"/>
+              </a:lnSpc>
+            </a:pPr>
+            <a:r>
+              <a:rPr lang="tr-TR" sz="2000" b="1" dirty="0">
+                <a:solidFill>
+                  <a:schemeClr val="bg2">
+                    <a:lumMod val="25000"/>
+                  </a:schemeClr>
+                </a:solidFill>
+                <a:latin typeface="Roboto"/>
+                <a:ea typeface="Verdana" panose="020B0604030504040204" pitchFamily="34" charset="0"/>
+                <a:cs typeface="Arial" panose="020B0604020202020204" pitchFamily="34" charset="0"/>
+              </a:rPr>
+              <a:t>Aykırı değerleri yok eder</a:t>
+            </a:r>
+          </a:p>
+        </p:txBody>
+      </p:sp>
     </p:spTree>
     <p:extLst>
       <p:ext uri="{BB962C8B-B14F-4D97-AF65-F5344CB8AC3E}">
@@ -22854,6 +23033,238 @@
   <p:clrMapOvr>
     <a:masterClrMapping/>
   </p:clrMapOvr>
+  <p:timing>
+    <p:tnLst>
+      <p:par>
+        <p:cTn id="1" dur="indefinite" restart="never" nodeType="tmRoot">
+          <p:childTnLst>
+            <p:seq concurrent="1" nextAc="seek">
+              <p:cTn id="2" dur="indefinite" nodeType="mainSeq">
+                <p:childTnLst>
+                  <p:par>
+                    <p:cTn id="3" fill="hold">
+                      <p:stCondLst>
+                        <p:cond delay="indefinite"/>
+                      </p:stCondLst>
+                      <p:childTnLst>
+                        <p:par>
+                          <p:cTn id="4" fill="hold">
+                            <p:stCondLst>
+                              <p:cond delay="0"/>
+                            </p:stCondLst>
+                            <p:childTnLst>
+                              <p:par>
+                                <p:cTn id="5" presetID="53" presetClass="entr" presetSubtype="16" fill="hold" grpId="0" nodeType="clickEffect">
+                                  <p:stCondLst>
+                                    <p:cond delay="0"/>
+                                  </p:stCondLst>
+                                  <p:childTnLst>
+                                    <p:set>
+                                      <p:cBhvr>
+                                        <p:cTn id="6" dur="1" fill="hold">
+                                          <p:stCondLst>
+                                            <p:cond delay="0"/>
+                                          </p:stCondLst>
+                                        </p:cTn>
+                                        <p:tgtEl>
+                                          <p:spTgt spid="14"/>
+                                        </p:tgtEl>
+                                        <p:attrNameLst>
+                                          <p:attrName>style.visibility</p:attrName>
+                                        </p:attrNameLst>
+                                      </p:cBhvr>
+                                      <p:to>
+                                        <p:strVal val="visible"/>
+                                      </p:to>
+                                    </p:set>
+                                    <p:anim calcmode="lin" valueType="num">
+                                      <p:cBhvr>
+                                        <p:cTn id="7" dur="500" fill="hold"/>
+                                        <p:tgtEl>
+                                          <p:spTgt spid="14"/>
+                                        </p:tgtEl>
+                                        <p:attrNameLst>
+                                          <p:attrName>ppt_w</p:attrName>
+                                        </p:attrNameLst>
+                                      </p:cBhvr>
+                                      <p:tavLst>
+                                        <p:tav tm="0">
+                                          <p:val>
+                                            <p:fltVal val="0"/>
+                                          </p:val>
+                                        </p:tav>
+                                        <p:tav tm="100000">
+                                          <p:val>
+                                            <p:strVal val="#ppt_w"/>
+                                          </p:val>
+                                        </p:tav>
+                                      </p:tavLst>
+                                    </p:anim>
+                                    <p:anim calcmode="lin" valueType="num">
+                                      <p:cBhvr>
+                                        <p:cTn id="8" dur="500" fill="hold"/>
+                                        <p:tgtEl>
+                                          <p:spTgt spid="14"/>
+                                        </p:tgtEl>
+                                        <p:attrNameLst>
+                                          <p:attrName>ppt_h</p:attrName>
+                                        </p:attrNameLst>
+                                      </p:cBhvr>
+                                      <p:tavLst>
+                                        <p:tav tm="0">
+                                          <p:val>
+                                            <p:fltVal val="0"/>
+                                          </p:val>
+                                        </p:tav>
+                                        <p:tav tm="100000">
+                                          <p:val>
+                                            <p:strVal val="#ppt_h"/>
+                                          </p:val>
+                                        </p:tav>
+                                      </p:tavLst>
+                                    </p:anim>
+                                    <p:animEffect transition="in" filter="fade">
+                                      <p:cBhvr>
+                                        <p:cTn id="9" dur="500"/>
+                                        <p:tgtEl>
+                                          <p:spTgt spid="14"/>
+                                        </p:tgtEl>
+                                      </p:cBhvr>
+                                    </p:animEffect>
+                                  </p:childTnLst>
+                                </p:cTn>
+                              </p:par>
+                            </p:childTnLst>
+                          </p:cTn>
+                        </p:par>
+                      </p:childTnLst>
+                    </p:cTn>
+                  </p:par>
+                  <p:par>
+                    <p:cTn id="10" fill="hold">
+                      <p:stCondLst>
+                        <p:cond delay="indefinite"/>
+                      </p:stCondLst>
+                      <p:childTnLst>
+                        <p:par>
+                          <p:cTn id="11" fill="hold">
+                            <p:stCondLst>
+                              <p:cond delay="0"/>
+                            </p:stCondLst>
+                            <p:childTnLst>
+                              <p:par>
+                                <p:cTn id="12" presetID="53" presetClass="entr" presetSubtype="16" fill="hold" grpId="0" nodeType="clickEffect">
+                                  <p:stCondLst>
+                                    <p:cond delay="0"/>
+                                  </p:stCondLst>
+                                  <p:childTnLst>
+                                    <p:set>
+                                      <p:cBhvr>
+                                        <p:cTn id="13" dur="1" fill="hold">
+                                          <p:stCondLst>
+                                            <p:cond delay="0"/>
+                                          </p:stCondLst>
+                                        </p:cTn>
+                                        <p:tgtEl>
+                                          <p:spTgt spid="15"/>
+                                        </p:tgtEl>
+                                        <p:attrNameLst>
+                                          <p:attrName>style.visibility</p:attrName>
+                                        </p:attrNameLst>
+                                      </p:cBhvr>
+                                      <p:to>
+                                        <p:strVal val="visible"/>
+                                      </p:to>
+                                    </p:set>
+                                    <p:anim calcmode="lin" valueType="num">
+                                      <p:cBhvr>
+                                        <p:cTn id="14" dur="500" fill="hold"/>
+                                        <p:tgtEl>
+                                          <p:spTgt spid="15"/>
+                                        </p:tgtEl>
+                                        <p:attrNameLst>
+                                          <p:attrName>ppt_w</p:attrName>
+                                        </p:attrNameLst>
+                                      </p:cBhvr>
+                                      <p:tavLst>
+                                        <p:tav tm="0">
+                                          <p:val>
+                                            <p:fltVal val="0"/>
+                                          </p:val>
+                                        </p:tav>
+                                        <p:tav tm="100000">
+                                          <p:val>
+                                            <p:strVal val="#ppt_w"/>
+                                          </p:val>
+                                        </p:tav>
+                                      </p:tavLst>
+                                    </p:anim>
+                                    <p:anim calcmode="lin" valueType="num">
+                                      <p:cBhvr>
+                                        <p:cTn id="15" dur="500" fill="hold"/>
+                                        <p:tgtEl>
+                                          <p:spTgt spid="15"/>
+                                        </p:tgtEl>
+                                        <p:attrNameLst>
+                                          <p:attrName>ppt_h</p:attrName>
+                                        </p:attrNameLst>
+                                      </p:cBhvr>
+                                      <p:tavLst>
+                                        <p:tav tm="0">
+                                          <p:val>
+                                            <p:fltVal val="0"/>
+                                          </p:val>
+                                        </p:tav>
+                                        <p:tav tm="100000">
+                                          <p:val>
+                                            <p:strVal val="#ppt_h"/>
+                                          </p:val>
+                                        </p:tav>
+                                      </p:tavLst>
+                                    </p:anim>
+                                    <p:animEffect transition="in" filter="fade">
+                                      <p:cBhvr>
+                                        <p:cTn id="16" dur="500"/>
+                                        <p:tgtEl>
+                                          <p:spTgt spid="15"/>
+                                        </p:tgtEl>
+                                      </p:cBhvr>
+                                    </p:animEffect>
+                                  </p:childTnLst>
+                                </p:cTn>
+                              </p:par>
+                            </p:childTnLst>
+                          </p:cTn>
+                        </p:par>
+                      </p:childTnLst>
+                    </p:cTn>
+                  </p:par>
+                </p:childTnLst>
+              </p:cTn>
+              <p:prevCondLst>
+                <p:cond evt="onPrev" delay="0">
+                  <p:tgtEl>
+                    <p:sldTgt/>
+                  </p:tgtEl>
+                </p:cond>
+              </p:prevCondLst>
+              <p:nextCondLst>
+                <p:cond evt="onNext" delay="0">
+                  <p:tgtEl>
+                    <p:sldTgt/>
+                  </p:tgtEl>
+                </p:cond>
+              </p:nextCondLst>
+            </p:seq>
+          </p:childTnLst>
+        </p:cTn>
+      </p:par>
+    </p:tnLst>
+    <p:bldLst>
+      <p:bldP spid="14" grpId="0"/>
+      <p:bldP spid="15" grpId="0"/>
+    </p:bldLst>
+  </p:timing>
 </p:sld>
 </file>
 
